--- a/Documentation/SUBot-midterm-Presentation.pptx
+++ b/Documentation/SUBot-midterm-Presentation.pptx
@@ -5,19 +5,21 @@
     <p:sldMasterId id="2147483648" r:id="rId1"/>
   </p:sldMasterIdLst>
   <p:notesMasterIdLst>
-    <p:notesMasterId r:id="rId12"/>
+    <p:notesMasterId r:id="rId14"/>
   </p:notesMasterIdLst>
   <p:sldIdLst>
     <p:sldId id="268" r:id="rId2"/>
     <p:sldId id="257" r:id="rId3"/>
     <p:sldId id="269" r:id="rId4"/>
     <p:sldId id="272" r:id="rId5"/>
-    <p:sldId id="273" r:id="rId6"/>
-    <p:sldId id="270" r:id="rId7"/>
-    <p:sldId id="271" r:id="rId8"/>
-    <p:sldId id="274" r:id="rId9"/>
-    <p:sldId id="275" r:id="rId10"/>
-    <p:sldId id="266" r:id="rId11"/>
+    <p:sldId id="276" r:id="rId6"/>
+    <p:sldId id="273" r:id="rId7"/>
+    <p:sldId id="270" r:id="rId8"/>
+    <p:sldId id="271" r:id="rId9"/>
+    <p:sldId id="274" r:id="rId10"/>
+    <p:sldId id="275" r:id="rId11"/>
+    <p:sldId id="266" r:id="rId12"/>
+    <p:sldId id="277" r:id="rId13"/>
   </p:sldIdLst>
   <p:sldSz cx="9144000" cy="6858000" type="screen4x3"/>
   <p:notesSz cx="6858000" cy="9144000"/>
@@ -738,6 +740,121 @@
     <p:extLst>
       <p:ext uri="{BB962C8B-B14F-4D97-AF65-F5344CB8AC3E}">
         <p14:creationId xmlns:p14="http://schemas.microsoft.com/office/powerpoint/2010/main" val="3200908431"/>
+      </p:ext>
+    </p:extLst>
+  </p:cSld>
+  <p:clrMapOvr>
+    <a:masterClrMapping/>
+  </p:clrMapOvr>
+</p:notes>
+</file>
+
+<file path=ppt/notesSlides/notesSlide4.xml><?xml version="1.0" encoding="utf-8"?>
+<p:notes xmlns:a="http://schemas.openxmlformats.org/drawingml/2006/main" xmlns:r="http://schemas.openxmlformats.org/officeDocument/2006/relationships" xmlns:p="http://schemas.openxmlformats.org/presentationml/2006/main">
+  <p:cSld>
+    <p:spTree>
+      <p:nvGrpSpPr>
+        <p:cNvPr id="1" name=""/>
+        <p:cNvGrpSpPr/>
+        <p:nvPr/>
+      </p:nvGrpSpPr>
+      <p:grpSpPr>
+        <a:xfrm>
+          <a:off x="0" y="0"/>
+          <a:ext cx="0" cy="0"/>
+          <a:chOff x="0" y="0"/>
+          <a:chExt cx="0" cy="0"/>
+        </a:xfrm>
+      </p:grpSpPr>
+      <p:sp>
+        <p:nvSpPr>
+          <p:cNvPr id="2" name="Slide Image Placeholder 1"/>
+          <p:cNvSpPr>
+            <a:spLocks noGrp="1" noRot="1" noChangeAspect="1"/>
+          </p:cNvSpPr>
+          <p:nvPr>
+            <p:ph type="sldImg"/>
+          </p:nvPr>
+        </p:nvSpPr>
+        <p:spPr/>
+      </p:sp>
+      <p:sp>
+        <p:nvSpPr>
+          <p:cNvPr id="3" name="Notes Placeholder 2"/>
+          <p:cNvSpPr>
+            <a:spLocks noGrp="1"/>
+          </p:cNvSpPr>
+          <p:nvPr>
+            <p:ph type="body" idx="1"/>
+          </p:nvPr>
+        </p:nvSpPr>
+        <p:spPr/>
+        <p:txBody>
+          <a:bodyPr/>
+          <a:lstStyle/>
+          <a:p>
+            <a:r>
+              <a:rPr lang="en-US" sz="1900" dirty="0"/>
+              <a:t>The Syracuse Chatbot allows the students to get the information:</a:t>
+            </a:r>
+          </a:p>
+          <a:p>
+            <a:pPr lvl="1"/>
+            <a:r>
+              <a:rPr lang="en-US" sz="1900" dirty="0"/>
+              <a:t>Student profile</a:t>
+            </a:r>
+          </a:p>
+          <a:p>
+            <a:pPr lvl="1"/>
+            <a:r>
+              <a:rPr lang="en-US" sz="1900" dirty="0"/>
+              <a:t>Class Enrollment</a:t>
+            </a:r>
+          </a:p>
+          <a:p>
+            <a:pPr lvl="1"/>
+            <a:r>
+              <a:rPr lang="en-US" sz="1900" dirty="0"/>
+              <a:t>Schedules for classes and exams</a:t>
+            </a:r>
+          </a:p>
+          <a:p>
+            <a:pPr lvl="1"/>
+            <a:r>
+              <a:rPr lang="en-US" sz="1900" dirty="0"/>
+              <a:t>Term fee</a:t>
+            </a:r>
+          </a:p>
+        </p:txBody>
+      </p:sp>
+      <p:sp>
+        <p:nvSpPr>
+          <p:cNvPr id="4" name="Slide Number Placeholder 3"/>
+          <p:cNvSpPr>
+            <a:spLocks noGrp="1"/>
+          </p:cNvSpPr>
+          <p:nvPr>
+            <p:ph type="sldNum" sz="quarter" idx="5"/>
+          </p:nvPr>
+        </p:nvSpPr>
+        <p:spPr/>
+        <p:txBody>
+          <a:bodyPr/>
+          <a:lstStyle/>
+          <a:p>
+            <a:fld id="{DB507D6E-B8AF-4046-85AC-81E77DF5B09C}" type="slidenum">
+              <a:rPr lang="en-US" smtClean="0"/>
+              <a:t>7</a:t>
+            </a:fld>
+            <a:endParaRPr lang="en-US"/>
+          </a:p>
+        </p:txBody>
+      </p:sp>
+    </p:spTree>
+    <p:extLst>
+      <p:ext uri="{BB962C8B-B14F-4D97-AF65-F5344CB8AC3E}">
+        <p14:creationId xmlns:p14="http://schemas.microsoft.com/office/powerpoint/2010/main" val="3873216145"/>
       </p:ext>
     </p:extLst>
   </p:cSld>
@@ -4421,6 +4538,269 @@
           <a:chExt cx="0" cy="0"/>
         </a:xfrm>
       </p:grpSpPr>
+      <p:sp>
+        <p:nvSpPr>
+          <p:cNvPr id="9" name="Rectangle 8">
+            <a:extLst>
+              <a:ext uri="{FF2B5EF4-FFF2-40B4-BE49-F238E27FC236}">
+                <a16:creationId xmlns:a16="http://schemas.microsoft.com/office/drawing/2014/main" id="{823AC064-BC96-4F32-8AE1-B2FD38754823}"/>
+              </a:ext>
+              <a:ext uri="{C183D7F6-B498-43B3-948B-1728B52AA6E4}">
+                <adec:decorative xmlns:adec="http://schemas.microsoft.com/office/drawing/2017/decorative" val="1"/>
+              </a:ext>
+            </a:extLst>
+          </p:cNvPr>
+          <p:cNvSpPr>
+            <a:spLocks noGrp="1" noRot="1" noChangeAspect="1" noMove="1" noResize="1" noEditPoints="1" noAdjustHandles="1" noChangeArrowheads="1" noChangeShapeType="1" noTextEdit="1"/>
+          </p:cNvSpPr>
+          <p:nvPr>
+            <p:extLst>
+              <p:ext uri="{386F3935-93C4-4BCD-93E2-E3B085C9AB24}">
+                <p16:designElem xmlns:p16="http://schemas.microsoft.com/office/powerpoint/2015/main" val="1"/>
+              </p:ext>
+            </p:extLst>
+          </p:nvPr>
+        </p:nvSpPr>
+        <p:spPr bwMode="ltGray">
+          <a:xfrm>
+            <a:off x="283551" y="343486"/>
+            <a:ext cx="8579094" cy="1844256"/>
+          </a:xfrm>
+          <a:prstGeom prst="rect">
+            <a:avLst/>
+          </a:prstGeom>
+          <a:solidFill>
+            <a:srgbClr val="404040"/>
+          </a:solidFill>
+          <a:ln w="127000" cap="sq" cmpd="thinThick">
+            <a:solidFill>
+              <a:srgbClr val="404040"/>
+            </a:solidFill>
+          </a:ln>
+        </p:spPr>
+        <p:style>
+          <a:lnRef idx="2">
+            <a:schemeClr val="accent1">
+              <a:shade val="50000"/>
+            </a:schemeClr>
+          </a:lnRef>
+          <a:fillRef idx="1">
+            <a:schemeClr val="accent1"/>
+          </a:fillRef>
+          <a:effectRef idx="0">
+            <a:schemeClr val="accent1"/>
+          </a:effectRef>
+          <a:fontRef idx="minor">
+            <a:schemeClr val="lt1"/>
+          </a:fontRef>
+        </p:style>
+        <p:txBody>
+          <a:bodyPr rtlCol="0" anchor="ctr"/>
+          <a:lstStyle/>
+          <a:p>
+            <a:pPr marL="0" marR="0" lvl="0" indent="0" algn="ctr" defTabSz="914400" rtl="0" eaLnBrk="1" fontAlgn="auto" latinLnBrk="0" hangingPunct="1">
+              <a:lnSpc>
+                <a:spcPct val="100000"/>
+              </a:lnSpc>
+              <a:spcBef>
+                <a:spcPts val="0"/>
+              </a:spcBef>
+              <a:spcAft>
+                <a:spcPts val="0"/>
+              </a:spcAft>
+              <a:buClrTx/>
+              <a:buSzTx/>
+              <a:buFontTx/>
+              <a:buNone/>
+              <a:tabLst/>
+              <a:defRPr/>
+            </a:pPr>
+            <a:endParaRPr kumimoji="0" lang="en-US" sz="1800" b="0" i="0" u="none" strike="noStrike" kern="1200" cap="none" spc="0" normalizeH="0" baseline="0" noProof="0">
+              <a:ln>
+                <a:noFill/>
+              </a:ln>
+              <a:solidFill>
+                <a:prstClr val="white"/>
+              </a:solidFill>
+              <a:effectLst/>
+              <a:uLnTx/>
+              <a:uFillTx/>
+              <a:latin typeface="Calibri" panose="020F0502020204030204"/>
+              <a:ea typeface="+mn-ea"/>
+              <a:cs typeface="+mn-cs"/>
+            </a:endParaRPr>
+          </a:p>
+        </p:txBody>
+      </p:sp>
+      <p:sp>
+        <p:nvSpPr>
+          <p:cNvPr id="2" name="Title 1">
+            <a:extLst>
+              <a:ext uri="{FF2B5EF4-FFF2-40B4-BE49-F238E27FC236}">
+                <a16:creationId xmlns:a16="http://schemas.microsoft.com/office/drawing/2014/main" id="{AC9929C1-E2DD-6F49-B2C6-A7ED59824E47}"/>
+              </a:ext>
+            </a:extLst>
+          </p:cNvPr>
+          <p:cNvSpPr>
+            <a:spLocks noGrp="1"/>
+          </p:cNvSpPr>
+          <p:nvPr>
+            <p:ph type="title"/>
+          </p:nvPr>
+        </p:nvSpPr>
+        <p:spPr>
+          <a:xfrm>
+            <a:off x="394554" y="466578"/>
+            <a:ext cx="8354891" cy="930447"/>
+          </a:xfrm>
+        </p:spPr>
+        <p:txBody>
+          <a:bodyPr vert="horz" lIns="91440" tIns="45720" rIns="91440" bIns="45720" rtlCol="0" anchor="b">
+            <a:normAutofit/>
+          </a:bodyPr>
+          <a:lstStyle/>
+          <a:p>
+            <a:pPr defTabSz="914400">
+              <a:lnSpc>
+                <a:spcPct val="90000"/>
+              </a:lnSpc>
+            </a:pPr>
+            <a:r>
+              <a:rPr lang="en-US" sz="4700" kern="1200">
+                <a:solidFill>
+                  <a:srgbClr val="FFFFFF"/>
+                </a:solidFill>
+                <a:latin typeface="+mj-lt"/>
+                <a:ea typeface="+mj-ea"/>
+                <a:cs typeface="+mj-cs"/>
+              </a:rPr>
+              <a:t>Prototype</a:t>
+            </a:r>
+          </a:p>
+        </p:txBody>
+      </p:sp>
+      <p:cxnSp>
+        <p:nvCxnSpPr>
+          <p:cNvPr id="11" name="Straight Connector 10">
+            <a:extLst>
+              <a:ext uri="{FF2B5EF4-FFF2-40B4-BE49-F238E27FC236}">
+                <a16:creationId xmlns:a16="http://schemas.microsoft.com/office/drawing/2014/main" id="{7E7C77BC-7138-40B1-A15B-20F57A494629}"/>
+              </a:ext>
+              <a:ext uri="{C183D7F6-B498-43B3-948B-1728B52AA6E4}">
+                <adec:decorative xmlns:adec="http://schemas.microsoft.com/office/drawing/2017/decorative" val="1"/>
+              </a:ext>
+            </a:extLst>
+          </p:cNvPr>
+          <p:cNvCxnSpPr>
+            <a:cxnSpLocks noGrp="1" noRot="1" noChangeAspect="1" noMove="1" noResize="1" noEditPoints="1" noAdjustHandles="1" noChangeArrowheads="1" noChangeShapeType="1"/>
+          </p:cNvCxnSpPr>
+          <p:nvPr>
+            <p:extLst>
+              <p:ext uri="{386F3935-93C4-4BCD-93E2-E3B085C9AB24}">
+                <p16:designElem xmlns:p16="http://schemas.microsoft.com/office/powerpoint/2015/main" val="1"/>
+              </p:ext>
+            </p:extLst>
+          </p:nvPr>
+        </p:nvCxnSpPr>
+        <p:spPr>
+          <a:xfrm>
+            <a:off x="1657350" y="1448631"/>
+            <a:ext cx="5829300" cy="0"/>
+          </a:xfrm>
+          <a:prstGeom prst="line">
+            <a:avLst/>
+          </a:prstGeom>
+          <a:ln w="22225">
+            <a:solidFill>
+              <a:srgbClr val="D9D9D9"/>
+            </a:solidFill>
+          </a:ln>
+        </p:spPr>
+        <p:style>
+          <a:lnRef idx="1">
+            <a:schemeClr val="accent1"/>
+          </a:lnRef>
+          <a:fillRef idx="0">
+            <a:schemeClr val="accent1"/>
+          </a:fillRef>
+          <a:effectRef idx="0">
+            <a:schemeClr val="accent1"/>
+          </a:effectRef>
+          <a:fontRef idx="minor">
+            <a:schemeClr val="tx1"/>
+          </a:fontRef>
+        </p:style>
+      </p:cxnSp>
+      <p:pic>
+        <p:nvPicPr>
+          <p:cNvPr id="4" name="Content Placeholder 3">
+            <a:extLst>
+              <a:ext uri="{FF2B5EF4-FFF2-40B4-BE49-F238E27FC236}">
+                <a16:creationId xmlns:a16="http://schemas.microsoft.com/office/drawing/2014/main" id="{6F128E94-5489-5042-A020-DFC20318BD18}"/>
+              </a:ext>
+            </a:extLst>
+          </p:cNvPr>
+          <p:cNvPicPr>
+            <a:picLocks noGrp="1" noChangeAspect="1"/>
+          </p:cNvPicPr>
+          <p:nvPr>
+            <p:ph idx="1"/>
+          </p:nvPr>
+        </p:nvPicPr>
+        <p:blipFill>
+          <a:blip r:embed="rId2"/>
+          <a:stretch>
+            <a:fillRect/>
+          </a:stretch>
+        </p:blipFill>
+        <p:spPr>
+          <a:xfrm>
+            <a:off x="553700" y="2509911"/>
+            <a:ext cx="7995275" cy="3997637"/>
+          </a:xfrm>
+          <a:prstGeom prst="rect">
+            <a:avLst/>
+          </a:prstGeom>
+        </p:spPr>
+      </p:pic>
+    </p:spTree>
+    <p:extLst>
+      <p:ext uri="{BB962C8B-B14F-4D97-AF65-F5344CB8AC3E}">
+        <p14:creationId xmlns:p14="http://schemas.microsoft.com/office/powerpoint/2010/main" val="4026063790"/>
+      </p:ext>
+    </p:extLst>
+  </p:cSld>
+  <p:clrMapOvr>
+    <a:masterClrMapping/>
+  </p:clrMapOvr>
+</p:sld>
+</file>
+
+<file path=ppt/slides/slide11.xml><?xml version="1.0" encoding="utf-8"?>
+<p:sld xmlns:a="http://schemas.openxmlformats.org/drawingml/2006/main" xmlns:r="http://schemas.openxmlformats.org/officeDocument/2006/relationships" xmlns:p="http://schemas.openxmlformats.org/presentationml/2006/main">
+  <p:cSld>
+    <p:bg>
+      <p:bgPr>
+        <a:solidFill>
+          <a:schemeClr val="bg1"/>
+        </a:solidFill>
+        <a:effectLst/>
+      </p:bgPr>
+    </p:bg>
+    <p:spTree>
+      <p:nvGrpSpPr>
+        <p:cNvPr id="1" name=""/>
+        <p:cNvGrpSpPr/>
+        <p:nvPr/>
+      </p:nvGrpSpPr>
+      <p:grpSpPr>
+        <a:xfrm>
+          <a:off x="0" y="0"/>
+          <a:ext cx="0" cy="0"/>
+          <a:chOff x="0" y="0"/>
+          <a:chExt cx="0" cy="0"/>
+        </a:xfrm>
+      </p:grpSpPr>
       <p:sp useBgFill="1">
         <p:nvSpPr>
           <p:cNvPr id="16" name="Rectangle 8">
@@ -4867,6 +5247,69 @@
 </p:sld>
 </file>
 
+<file path=ppt/slides/slide12.xml><?xml version="1.0" encoding="utf-8"?>
+<p:sld xmlns:a="http://schemas.openxmlformats.org/drawingml/2006/main" xmlns:r="http://schemas.openxmlformats.org/officeDocument/2006/relationships" xmlns:p="http://schemas.openxmlformats.org/presentationml/2006/main">
+  <p:cSld>
+    <p:spTree>
+      <p:nvGrpSpPr>
+        <p:cNvPr id="1" name=""/>
+        <p:cNvGrpSpPr/>
+        <p:nvPr/>
+      </p:nvGrpSpPr>
+      <p:grpSpPr>
+        <a:xfrm>
+          <a:off x="0" y="0"/>
+          <a:ext cx="0" cy="0"/>
+          <a:chOff x="0" y="0"/>
+          <a:chExt cx="0" cy="0"/>
+        </a:xfrm>
+      </p:grpSpPr>
+      <p:sp>
+        <p:nvSpPr>
+          <p:cNvPr id="2" name="Title 1">
+            <a:extLst>
+              <a:ext uri="{FF2B5EF4-FFF2-40B4-BE49-F238E27FC236}">
+                <a16:creationId xmlns:a16="http://schemas.microsoft.com/office/drawing/2014/main" id="{70EF4BA7-4EDD-434E-BC7A-C41C00007594}"/>
+              </a:ext>
+            </a:extLst>
+          </p:cNvPr>
+          <p:cNvSpPr>
+            <a:spLocks noGrp="1"/>
+          </p:cNvSpPr>
+          <p:nvPr>
+            <p:ph type="title"/>
+          </p:nvPr>
+        </p:nvSpPr>
+        <p:spPr>
+          <a:xfrm>
+            <a:off x="457200" y="2556199"/>
+            <a:ext cx="8229600" cy="1143000"/>
+          </a:xfrm>
+        </p:spPr>
+        <p:txBody>
+          <a:bodyPr/>
+          <a:lstStyle/>
+          <a:p>
+            <a:r>
+              <a:rPr lang="en-US" dirty="0"/>
+              <a:t>Backup Slides</a:t>
+            </a:r>
+          </a:p>
+        </p:txBody>
+      </p:sp>
+    </p:spTree>
+    <p:extLst>
+      <p:ext uri="{BB962C8B-B14F-4D97-AF65-F5344CB8AC3E}">
+        <p14:creationId xmlns:p14="http://schemas.microsoft.com/office/powerpoint/2010/main" val="2132460295"/>
+      </p:ext>
+    </p:extLst>
+  </p:cSld>
+  <p:clrMapOvr>
+    <a:masterClrMapping/>
+  </p:clrMapOvr>
+</p:sld>
+</file>
+
 <file path=ppt/slides/slide2.xml><?xml version="1.0" encoding="utf-8"?>
 <p:sld xmlns:a="http://schemas.openxmlformats.org/drawingml/2006/main" xmlns:r="http://schemas.openxmlformats.org/officeDocument/2006/relationships" xmlns:p="http://schemas.openxmlformats.org/presentationml/2006/main">
   <p:cSld>
@@ -4999,21 +5442,21 @@
             <a:pPr marL="0" indent="0">
               <a:buNone/>
             </a:pPr>
-            <a:endParaRPr lang="en-US" sz="1600"/>
-          </a:p>
-          <a:p>
-            <a:r>
-              <a:rPr lang="en-US" sz="1600"/>
-              <a:t>The goal of this project is to develop a Chatbot for the Syracuse University students. So, the students can interact with the bot to get the required information.</a:t>
-            </a:r>
-          </a:p>
-          <a:p>
-            <a:endParaRPr lang="en-US" sz="1600"/>
-          </a:p>
-          <a:p>
-            <a:r>
-              <a:rPr lang="en-US" sz="1600"/>
-              <a:t>Advantage – A student will be able to find the required information immediately with ease and in one place.</a:t>
+            <a:endParaRPr lang="en-US" sz="1600" dirty="0"/>
+          </a:p>
+          <a:p>
+            <a:r>
+              <a:rPr lang="en-US" sz="1600" dirty="0"/>
+              <a:t>Goal – To develop a Chatbot for the Syracuse University students to interact with the bot to get the desired information.</a:t>
+            </a:r>
+          </a:p>
+          <a:p>
+            <a:endParaRPr lang="en-US" sz="1600" dirty="0"/>
+          </a:p>
+          <a:p>
+            <a:r>
+              <a:rPr lang="en-US" sz="1600" dirty="0"/>
+              <a:t>Advantage – A student will be able to find the desired information immediately with ease and in one place.</a:t>
             </a:r>
           </a:p>
           <a:p>
@@ -5909,7 +6352,7 @@
                   <a:srgbClr val="000000"/>
                 </a:solidFill>
               </a:rPr>
-              <a:t>Leveraging the Microsoft LUIS AI – A machine learning-based service to build natural language into bots that continuously improve.</a:t>
+              <a:t>Leveraging the Microsoft Language Understanding Intelligent Service (LUIS) AI – A machine learning-based service to build natural language into bots that continuously improve.</a:t>
             </a:r>
           </a:p>
           <a:p>
@@ -5926,7 +6369,7 @@
                   <a:srgbClr val="000000"/>
                 </a:solidFill>
               </a:rPr>
-              <a:t>The application will be completely cloud based with continuous integrity and deployment enabled using GitHub as code base and develops in Node.js</a:t>
+              <a:t>The application will be completely cloud based with continuous integration and deployment enabled using GitHub as code base and develops in Node.js</a:t>
             </a:r>
             <a:br>
               <a:rPr lang="en-US" sz="1700" dirty="0">
@@ -5948,7 +6391,7 @@
                   <a:srgbClr val="000000"/>
                 </a:solidFill>
               </a:rPr>
-              <a:t>Uses Azure SQL databases and cloud native services for availability with a response time of maximum one second.</a:t>
+              <a:t>Uses Azure structured databases and cloud native services for availability with a response time of at most one second.</a:t>
             </a:r>
           </a:p>
         </p:txBody>
@@ -5967,6 +6410,268 @@
 </file>
 
 <file path=ppt/slides/slide5.xml><?xml version="1.0" encoding="utf-8"?>
+<p:sld xmlns:a="http://schemas.openxmlformats.org/drawingml/2006/main" xmlns:r="http://schemas.openxmlformats.org/officeDocument/2006/relationships" xmlns:p="http://schemas.openxmlformats.org/presentationml/2006/main">
+  <p:cSld>
+    <p:bg>
+      <p:bgPr>
+        <a:solidFill>
+          <a:schemeClr val="bg1"/>
+        </a:solidFill>
+        <a:effectLst/>
+      </p:bgPr>
+    </p:bg>
+    <p:spTree>
+      <p:nvGrpSpPr>
+        <p:cNvPr id="1" name=""/>
+        <p:cNvGrpSpPr/>
+        <p:nvPr/>
+      </p:nvGrpSpPr>
+      <p:grpSpPr>
+        <a:xfrm>
+          <a:off x="0" y="0"/>
+          <a:ext cx="0" cy="0"/>
+          <a:chOff x="0" y="0"/>
+          <a:chExt cx="0" cy="0"/>
+        </a:xfrm>
+      </p:grpSpPr>
+      <p:sp>
+        <p:nvSpPr>
+          <p:cNvPr id="10" name="Rectangle 9">
+            <a:extLst>
+              <a:ext uri="{FF2B5EF4-FFF2-40B4-BE49-F238E27FC236}">
+                <a16:creationId xmlns:a16="http://schemas.microsoft.com/office/drawing/2014/main" id="{823AC064-BC96-4F32-8AE1-B2FD38754823}"/>
+              </a:ext>
+              <a:ext uri="{C183D7F6-B498-43B3-948B-1728B52AA6E4}">
+                <adec:decorative xmlns:adec="http://schemas.microsoft.com/office/drawing/2017/decorative" val="1"/>
+              </a:ext>
+            </a:extLst>
+          </p:cNvPr>
+          <p:cNvSpPr>
+            <a:spLocks noGrp="1" noRot="1" noChangeAspect="1" noMove="1" noResize="1" noEditPoints="1" noAdjustHandles="1" noChangeArrowheads="1" noChangeShapeType="1" noTextEdit="1"/>
+          </p:cNvSpPr>
+          <p:nvPr>
+            <p:extLst>
+              <p:ext uri="{386F3935-93C4-4BCD-93E2-E3B085C9AB24}">
+                <p16:designElem xmlns:p16="http://schemas.microsoft.com/office/powerpoint/2015/main" val="1"/>
+              </p:ext>
+            </p:extLst>
+          </p:nvPr>
+        </p:nvSpPr>
+        <p:spPr bwMode="ltGray">
+          <a:xfrm>
+            <a:off x="283551" y="343486"/>
+            <a:ext cx="8579094" cy="1844256"/>
+          </a:xfrm>
+          <a:prstGeom prst="rect">
+            <a:avLst/>
+          </a:prstGeom>
+          <a:solidFill>
+            <a:srgbClr val="404040"/>
+          </a:solidFill>
+          <a:ln w="127000" cap="sq" cmpd="thinThick">
+            <a:solidFill>
+              <a:srgbClr val="404040"/>
+            </a:solidFill>
+          </a:ln>
+        </p:spPr>
+        <p:style>
+          <a:lnRef idx="2">
+            <a:schemeClr val="accent1">
+              <a:shade val="50000"/>
+            </a:schemeClr>
+          </a:lnRef>
+          <a:fillRef idx="1">
+            <a:schemeClr val="accent1"/>
+          </a:fillRef>
+          <a:effectRef idx="0">
+            <a:schemeClr val="accent1"/>
+          </a:effectRef>
+          <a:fontRef idx="minor">
+            <a:schemeClr val="lt1"/>
+          </a:fontRef>
+        </p:style>
+        <p:txBody>
+          <a:bodyPr rtlCol="0" anchor="ctr"/>
+          <a:lstStyle/>
+          <a:p>
+            <a:pPr marL="0" marR="0" lvl="0" indent="0" algn="ctr" defTabSz="914400" rtl="0" eaLnBrk="1" fontAlgn="auto" latinLnBrk="0" hangingPunct="1">
+              <a:lnSpc>
+                <a:spcPct val="100000"/>
+              </a:lnSpc>
+              <a:spcBef>
+                <a:spcPts val="0"/>
+              </a:spcBef>
+              <a:spcAft>
+                <a:spcPts val="0"/>
+              </a:spcAft>
+              <a:buClrTx/>
+              <a:buSzTx/>
+              <a:buFontTx/>
+              <a:buNone/>
+              <a:tabLst/>
+              <a:defRPr/>
+            </a:pPr>
+            <a:endParaRPr kumimoji="0" lang="en-US" sz="1800" b="0" i="0" u="none" strike="noStrike" kern="1200" cap="none" spc="0" normalizeH="0" baseline="0" noProof="0">
+              <a:ln>
+                <a:noFill/>
+              </a:ln>
+              <a:solidFill>
+                <a:prstClr val="white"/>
+              </a:solidFill>
+              <a:effectLst/>
+              <a:uLnTx/>
+              <a:uFillTx/>
+              <a:latin typeface="Calibri" panose="020F0502020204030204"/>
+              <a:ea typeface="+mn-ea"/>
+              <a:cs typeface="+mn-cs"/>
+            </a:endParaRPr>
+          </a:p>
+        </p:txBody>
+      </p:sp>
+      <p:sp>
+        <p:nvSpPr>
+          <p:cNvPr id="2" name="Title 1">
+            <a:extLst>
+              <a:ext uri="{FF2B5EF4-FFF2-40B4-BE49-F238E27FC236}">
+                <a16:creationId xmlns:a16="http://schemas.microsoft.com/office/drawing/2014/main" id="{4DFB7E93-E989-C747-8BDF-3F5541F7375F}"/>
+              </a:ext>
+            </a:extLst>
+          </p:cNvPr>
+          <p:cNvSpPr>
+            <a:spLocks noGrp="1"/>
+          </p:cNvSpPr>
+          <p:nvPr>
+            <p:ph type="title"/>
+          </p:nvPr>
+        </p:nvSpPr>
+        <p:spPr>
+          <a:xfrm>
+            <a:off x="394554" y="466578"/>
+            <a:ext cx="8354891" cy="930447"/>
+          </a:xfrm>
+        </p:spPr>
+        <p:txBody>
+          <a:bodyPr vert="horz" lIns="91440" tIns="45720" rIns="91440" bIns="45720" rtlCol="0" anchor="b">
+            <a:normAutofit/>
+          </a:bodyPr>
+          <a:lstStyle/>
+          <a:p>
+            <a:pPr defTabSz="914400">
+              <a:lnSpc>
+                <a:spcPct val="90000"/>
+              </a:lnSpc>
+            </a:pPr>
+            <a:r>
+              <a:rPr lang="en-US" sz="4700" kern="1200">
+                <a:solidFill>
+                  <a:srgbClr val="FFFFFF"/>
+                </a:solidFill>
+                <a:latin typeface="+mj-lt"/>
+                <a:ea typeface="+mj-ea"/>
+                <a:cs typeface="+mj-cs"/>
+              </a:rPr>
+              <a:t>System Architecture Diagram</a:t>
+            </a:r>
+          </a:p>
+        </p:txBody>
+      </p:sp>
+      <p:cxnSp>
+        <p:nvCxnSpPr>
+          <p:cNvPr id="12" name="Straight Connector 11">
+            <a:extLst>
+              <a:ext uri="{FF2B5EF4-FFF2-40B4-BE49-F238E27FC236}">
+                <a16:creationId xmlns:a16="http://schemas.microsoft.com/office/drawing/2014/main" id="{7E7C77BC-7138-40B1-A15B-20F57A494629}"/>
+              </a:ext>
+              <a:ext uri="{C183D7F6-B498-43B3-948B-1728B52AA6E4}">
+                <adec:decorative xmlns:adec="http://schemas.microsoft.com/office/drawing/2017/decorative" val="1"/>
+              </a:ext>
+            </a:extLst>
+          </p:cNvPr>
+          <p:cNvCxnSpPr>
+            <a:cxnSpLocks noGrp="1" noRot="1" noChangeAspect="1" noMove="1" noResize="1" noEditPoints="1" noAdjustHandles="1" noChangeArrowheads="1" noChangeShapeType="1"/>
+          </p:cNvCxnSpPr>
+          <p:nvPr>
+            <p:extLst>
+              <p:ext uri="{386F3935-93C4-4BCD-93E2-E3B085C9AB24}">
+                <p16:designElem xmlns:p16="http://schemas.microsoft.com/office/powerpoint/2015/main" val="1"/>
+              </p:ext>
+            </p:extLst>
+          </p:nvPr>
+        </p:nvCxnSpPr>
+        <p:spPr>
+          <a:xfrm>
+            <a:off x="1657350" y="1448631"/>
+            <a:ext cx="5829300" cy="0"/>
+          </a:xfrm>
+          <a:prstGeom prst="line">
+            <a:avLst/>
+          </a:prstGeom>
+          <a:ln w="22225">
+            <a:solidFill>
+              <a:srgbClr val="D9D9D9"/>
+            </a:solidFill>
+          </a:ln>
+        </p:spPr>
+        <p:style>
+          <a:lnRef idx="1">
+            <a:schemeClr val="accent1"/>
+          </a:lnRef>
+          <a:fillRef idx="0">
+            <a:schemeClr val="accent1"/>
+          </a:fillRef>
+          <a:effectRef idx="0">
+            <a:schemeClr val="accent1"/>
+          </a:effectRef>
+          <a:fontRef idx="minor">
+            <a:schemeClr val="tx1"/>
+          </a:fontRef>
+        </p:style>
+      </p:cxnSp>
+      <p:pic>
+        <p:nvPicPr>
+          <p:cNvPr id="5" name="Content Placeholder 4" descr="A close up of text on a white background&#10;&#10;Description automatically generated">
+            <a:extLst>
+              <a:ext uri="{FF2B5EF4-FFF2-40B4-BE49-F238E27FC236}">
+                <a16:creationId xmlns:a16="http://schemas.microsoft.com/office/drawing/2014/main" id="{0E167E79-2D64-FF4D-A224-DA02CFB13DF9}"/>
+              </a:ext>
+            </a:extLst>
+          </p:cNvPr>
+          <p:cNvPicPr>
+            <a:picLocks noGrp="1" noChangeAspect="1"/>
+          </p:cNvPicPr>
+          <p:nvPr>
+            <p:ph idx="1"/>
+          </p:nvPr>
+        </p:nvPicPr>
+        <p:blipFill rotWithShape="1">
+          <a:blip r:embed="rId2"/>
+          <a:srcRect t="14642"/>
+          <a:stretch/>
+        </p:blipFill>
+        <p:spPr>
+          <a:xfrm>
+            <a:off x="471460" y="2509911"/>
+            <a:ext cx="8326003" cy="3997637"/>
+          </a:xfrm>
+          <a:prstGeom prst="rect">
+            <a:avLst/>
+          </a:prstGeom>
+        </p:spPr>
+      </p:pic>
+    </p:spTree>
+    <p:extLst>
+      <p:ext uri="{BB962C8B-B14F-4D97-AF65-F5344CB8AC3E}">
+        <p14:creationId xmlns:p14="http://schemas.microsoft.com/office/powerpoint/2010/main" val="1971208183"/>
+      </p:ext>
+    </p:extLst>
+  </p:cSld>
+  <p:clrMapOvr>
+    <a:masterClrMapping/>
+  </p:clrMapOvr>
+</p:sld>
+</file>
+
+<file path=ppt/slides/slide6.xml><?xml version="1.0" encoding="utf-8"?>
 <p:sld xmlns:a="http://schemas.openxmlformats.org/drawingml/2006/main" xmlns:r="http://schemas.openxmlformats.org/officeDocument/2006/relationships" xmlns:p="http://schemas.openxmlformats.org/presentationml/2006/main">
   <p:cSld>
     <p:bg>
@@ -6377,7 +7082,7 @@
 </p:sld>
 </file>
 
-<file path=ppt/slides/slide6.xml><?xml version="1.0" encoding="utf-8"?>
+<file path=ppt/slides/slide7.xml><?xml version="1.0" encoding="utf-8"?>
 <p:sld xmlns:a="http://schemas.openxmlformats.org/drawingml/2006/main" xmlns:r="http://schemas.openxmlformats.org/officeDocument/2006/relationships" xmlns:p="http://schemas.openxmlformats.org/presentationml/2006/main">
   <p:cSld>
     <p:bg>
@@ -6586,264 +7291,103 @@
             <p:ph idx="1"/>
           </p:nvPr>
         </p:nvPicPr>
-        <p:blipFill>
-          <a:blip r:embed="rId2"/>
-          <a:stretch>
-            <a:fillRect/>
-          </a:stretch>
+        <p:blipFill rotWithShape="1">
+          <a:blip r:embed="rId3"/>
+          <a:srcRect l="6885" r="6886"/>
+          <a:stretch/>
         </p:blipFill>
         <p:spPr>
           <a:xfrm>
-            <a:off x="3649054" y="521314"/>
-            <a:ext cx="5435125" cy="5614565"/>
+            <a:off x="3694734" y="321177"/>
+            <a:ext cx="5196603" cy="6009953"/>
           </a:xfrm>
           <a:prstGeom prst="rect">
             <a:avLst/>
           </a:prstGeom>
         </p:spPr>
       </p:pic>
+      <p:sp>
+        <p:nvSpPr>
+          <p:cNvPr id="3" name="TextBox 2">
+            <a:extLst>
+              <a:ext uri="{FF2B5EF4-FFF2-40B4-BE49-F238E27FC236}">
+                <a16:creationId xmlns:a16="http://schemas.microsoft.com/office/drawing/2014/main" id="{9DA55A76-CE6E-D241-AC6E-DD5ED91728B3}"/>
+              </a:ext>
+            </a:extLst>
+          </p:cNvPr>
+          <p:cNvSpPr txBox="1"/>
+          <p:nvPr/>
+        </p:nvSpPr>
+        <p:spPr>
+          <a:xfrm>
+            <a:off x="59821" y="4219880"/>
+            <a:ext cx="3442071" cy="1831271"/>
+          </a:xfrm>
+          <a:prstGeom prst="rect">
+            <a:avLst/>
+          </a:prstGeom>
+          <a:noFill/>
+        </p:spPr>
+        <p:txBody>
+          <a:bodyPr wrap="square" rtlCol="0">
+            <a:spAutoFit/>
+          </a:bodyPr>
+          <a:lstStyle/>
+          <a:p>
+            <a:pPr marL="800100" lvl="1" indent="-342900">
+              <a:buFont typeface="Arial" panose="020B0604020202020204" pitchFamily="34" charset="0"/>
+              <a:buChar char="•"/>
+            </a:pPr>
+            <a:r>
+              <a:rPr lang="en-US" sz="1900"/>
+              <a:t>Student profile</a:t>
+            </a:r>
+          </a:p>
+          <a:p>
+            <a:pPr marL="800100" lvl="1" indent="-342900">
+              <a:buFont typeface="Arial" panose="020B0604020202020204" pitchFamily="34" charset="0"/>
+              <a:buChar char="•"/>
+            </a:pPr>
+            <a:r>
+              <a:rPr lang="en-US" sz="1900"/>
+              <a:t>Class Enrollment</a:t>
+            </a:r>
+          </a:p>
+          <a:p>
+            <a:pPr marL="800100" lvl="1" indent="-342900">
+              <a:buFont typeface="Arial" panose="020B0604020202020204" pitchFamily="34" charset="0"/>
+              <a:buChar char="•"/>
+            </a:pPr>
+            <a:r>
+              <a:rPr lang="en-US" sz="1900"/>
+              <a:t>Schedules for classes and exams</a:t>
+            </a:r>
+          </a:p>
+          <a:p>
+            <a:pPr marL="800100" lvl="1" indent="-342900">
+              <a:buFont typeface="Arial" panose="020B0604020202020204" pitchFamily="34" charset="0"/>
+              <a:buChar char="•"/>
+            </a:pPr>
+            <a:r>
+              <a:rPr lang="en-US" sz="1900"/>
+              <a:t>Term fee</a:t>
+            </a:r>
+          </a:p>
+          <a:p>
+            <a:endParaRPr lang="en-US" dirty="0">
+              <a:solidFill>
+                <a:schemeClr val="bg1">
+                  <a:lumMod val="50000"/>
+                </a:schemeClr>
+              </a:solidFill>
+            </a:endParaRPr>
+          </a:p>
+        </p:txBody>
+      </p:sp>
     </p:spTree>
     <p:extLst>
       <p:ext uri="{BB962C8B-B14F-4D97-AF65-F5344CB8AC3E}">
         <p14:creationId xmlns:p14="http://schemas.microsoft.com/office/powerpoint/2010/main" val="4294587570"/>
-      </p:ext>
-    </p:extLst>
-  </p:cSld>
-  <p:clrMapOvr>
-    <a:masterClrMapping/>
-  </p:clrMapOvr>
-</p:sld>
-</file>
-
-<file path=ppt/slides/slide7.xml><?xml version="1.0" encoding="utf-8"?>
-<p:sld xmlns:a="http://schemas.openxmlformats.org/drawingml/2006/main" xmlns:r="http://schemas.openxmlformats.org/officeDocument/2006/relationships" xmlns:p="http://schemas.openxmlformats.org/presentationml/2006/main">
-  <p:cSld>
-    <p:bg>
-      <p:bgPr>
-        <a:solidFill>
-          <a:schemeClr val="bg1"/>
-        </a:solidFill>
-        <a:effectLst/>
-      </p:bgPr>
-    </p:bg>
-    <p:spTree>
-      <p:nvGrpSpPr>
-        <p:cNvPr id="1" name=""/>
-        <p:cNvGrpSpPr/>
-        <p:nvPr/>
-      </p:nvGrpSpPr>
-      <p:grpSpPr>
-        <a:xfrm>
-          <a:off x="0" y="0"/>
-          <a:ext cx="0" cy="0"/>
-          <a:chOff x="0" y="0"/>
-          <a:chExt cx="0" cy="0"/>
-        </a:xfrm>
-      </p:grpSpPr>
-      <p:sp>
-        <p:nvSpPr>
-          <p:cNvPr id="12" name="Rectangle 11">
-            <a:extLst>
-              <a:ext uri="{FF2B5EF4-FFF2-40B4-BE49-F238E27FC236}">
-                <a16:creationId xmlns:a16="http://schemas.microsoft.com/office/drawing/2014/main" id="{AB45A142-4255-493C-8284-5D566C121B10}"/>
-              </a:ext>
-              <a:ext uri="{C183D7F6-B498-43B3-948B-1728B52AA6E4}">
-                <adec:decorative xmlns:adec="http://schemas.microsoft.com/office/drawing/2017/decorative" val="1"/>
-              </a:ext>
-            </a:extLst>
-          </p:cNvPr>
-          <p:cNvSpPr>
-            <a:spLocks noGrp="1" noRot="1" noChangeAspect="1" noMove="1" noResize="1" noEditPoints="1" noAdjustHandles="1" noChangeArrowheads="1" noChangeShapeType="1" noTextEdit="1"/>
-          </p:cNvSpPr>
-          <p:nvPr>
-            <p:extLst>
-              <p:ext uri="{386F3935-93C4-4BCD-93E2-E3B085C9AB24}">
-                <p16:designElem xmlns:p16="http://schemas.microsoft.com/office/powerpoint/2015/main" val="1"/>
-              </p:ext>
-            </p:extLst>
-          </p:nvPr>
-        </p:nvSpPr>
-        <p:spPr bwMode="ltGray">
-          <a:xfrm>
-            <a:off x="252663" y="321177"/>
-            <a:ext cx="3249230" cy="6179552"/>
-          </a:xfrm>
-          <a:prstGeom prst="rect">
-            <a:avLst/>
-          </a:prstGeom>
-          <a:solidFill>
-            <a:srgbClr val="404040">
-              <a:alpha val="89804"/>
-            </a:srgbClr>
-          </a:solidFill>
-          <a:ln w="127000" cap="sq" cmpd="thinThick">
-            <a:solidFill>
-              <a:srgbClr val="595959">
-                <a:alpha val="80000"/>
-              </a:srgbClr>
-            </a:solidFill>
-          </a:ln>
-        </p:spPr>
-        <p:style>
-          <a:lnRef idx="2">
-            <a:schemeClr val="accent1">
-              <a:shade val="50000"/>
-            </a:schemeClr>
-          </a:lnRef>
-          <a:fillRef idx="1">
-            <a:schemeClr val="accent1"/>
-          </a:fillRef>
-          <a:effectRef idx="0">
-            <a:schemeClr val="accent1"/>
-          </a:effectRef>
-          <a:fontRef idx="minor">
-            <a:schemeClr val="lt1"/>
-          </a:fontRef>
-        </p:style>
-        <p:txBody>
-          <a:bodyPr rtlCol="0" anchor="ctr"/>
-          <a:lstStyle/>
-          <a:p>
-            <a:pPr algn="ctr"/>
-            <a:endParaRPr lang="en-US"/>
-          </a:p>
-        </p:txBody>
-      </p:sp>
-      <p:sp>
-        <p:nvSpPr>
-          <p:cNvPr id="2" name="Title 1">
-            <a:extLst>
-              <a:ext uri="{FF2B5EF4-FFF2-40B4-BE49-F238E27FC236}">
-                <a16:creationId xmlns:a16="http://schemas.microsoft.com/office/drawing/2014/main" id="{74B515FF-74B8-AA40-8C59-E1409D2FD7D7}"/>
-              </a:ext>
-            </a:extLst>
-          </p:cNvPr>
-          <p:cNvSpPr>
-            <a:spLocks noGrp="1"/>
-          </p:cNvSpPr>
-          <p:nvPr>
-            <p:ph type="title"/>
-          </p:nvPr>
-        </p:nvSpPr>
-        <p:spPr>
-          <a:xfrm>
-            <a:off x="505677" y="914400"/>
-            <a:ext cx="2743200" cy="2887579"/>
-          </a:xfrm>
-        </p:spPr>
-        <p:txBody>
-          <a:bodyPr vert="horz" lIns="91440" tIns="45720" rIns="91440" bIns="45720" rtlCol="0" anchor="b">
-            <a:normAutofit/>
-          </a:bodyPr>
-          <a:lstStyle/>
-          <a:p>
-            <a:pPr defTabSz="914400">
-              <a:lnSpc>
-                <a:spcPct val="90000"/>
-              </a:lnSpc>
-            </a:pPr>
-            <a:r>
-              <a:rPr lang="en-US" sz="4200" kern="1200" dirty="0">
-                <a:solidFill>
-                  <a:srgbClr val="FFFFFF"/>
-                </a:solidFill>
-                <a:latin typeface="+mj-lt"/>
-                <a:ea typeface="+mj-ea"/>
-                <a:cs typeface="+mj-cs"/>
-              </a:rPr>
-              <a:t>Sequence Diagram</a:t>
-            </a:r>
-          </a:p>
-        </p:txBody>
-      </p:sp>
-      <p:cxnSp>
-        <p:nvCxnSpPr>
-          <p:cNvPr id="14" name="Straight Connector 13">
-            <a:extLst>
-              <a:ext uri="{FF2B5EF4-FFF2-40B4-BE49-F238E27FC236}">
-                <a16:creationId xmlns:a16="http://schemas.microsoft.com/office/drawing/2014/main" id="{38FB9660-F42F-4313-BBC4-47C007FE484C}"/>
-              </a:ext>
-              <a:ext uri="{C183D7F6-B498-43B3-948B-1728B52AA6E4}">
-                <adec:decorative xmlns:adec="http://schemas.microsoft.com/office/drawing/2017/decorative" val="1"/>
-              </a:ext>
-            </a:extLst>
-          </p:cNvPr>
-          <p:cNvCxnSpPr>
-            <a:cxnSpLocks noGrp="1" noRot="1" noChangeAspect="1" noMove="1" noResize="1" noEditPoints="1" noAdjustHandles="1" noChangeArrowheads="1" noChangeShapeType="1"/>
-          </p:cNvCxnSpPr>
-          <p:nvPr>
-            <p:extLst>
-              <p:ext uri="{386F3935-93C4-4BCD-93E2-E3B085C9AB24}">
-                <p16:designElem xmlns:p16="http://schemas.microsoft.com/office/powerpoint/2015/main" val="1"/>
-              </p:ext>
-            </p:extLst>
-          </p:nvPr>
-        </p:nvCxnSpPr>
-        <p:spPr>
-          <a:xfrm>
-            <a:off x="893344" y="3910267"/>
-            <a:ext cx="1940093" cy="0"/>
-          </a:xfrm>
-          <a:prstGeom prst="line">
-            <a:avLst/>
-          </a:prstGeom>
-          <a:ln w="22225">
-            <a:solidFill>
-              <a:srgbClr val="D9D9D9"/>
-            </a:solidFill>
-          </a:ln>
-        </p:spPr>
-        <p:style>
-          <a:lnRef idx="1">
-            <a:schemeClr val="accent1"/>
-          </a:lnRef>
-          <a:fillRef idx="0">
-            <a:schemeClr val="accent1"/>
-          </a:fillRef>
-          <a:effectRef idx="0">
-            <a:schemeClr val="accent1"/>
-          </a:effectRef>
-          <a:fontRef idx="minor">
-            <a:schemeClr val="tx1"/>
-          </a:fontRef>
-        </p:style>
-      </p:cxnSp>
-      <p:pic>
-        <p:nvPicPr>
-          <p:cNvPr id="7" name="Content Placeholder 6" descr="A screenshot of a social media post&#10;&#10;Description automatically generated">
-            <a:extLst>
-              <a:ext uri="{FF2B5EF4-FFF2-40B4-BE49-F238E27FC236}">
-                <a16:creationId xmlns:a16="http://schemas.microsoft.com/office/drawing/2014/main" id="{9C065210-E953-094B-A55E-029C4C1C4746}"/>
-              </a:ext>
-            </a:extLst>
-          </p:cNvPr>
-          <p:cNvPicPr>
-            <a:picLocks noGrp="1" noChangeAspect="1"/>
-          </p:cNvPicPr>
-          <p:nvPr>
-            <p:ph idx="1"/>
-          </p:nvPr>
-        </p:nvPicPr>
-        <p:blipFill>
-          <a:blip r:embed="rId2"/>
-          <a:stretch>
-            <a:fillRect/>
-          </a:stretch>
-        </p:blipFill>
-        <p:spPr>
-          <a:xfrm>
-            <a:off x="3597965" y="492573"/>
-            <a:ext cx="5293372" cy="5880796"/>
-          </a:xfrm>
-          <a:prstGeom prst="rect">
-            <a:avLst/>
-          </a:prstGeom>
-        </p:spPr>
-      </p:pic>
-    </p:spTree>
-    <p:extLst>
-      <p:ext uri="{BB962C8B-B14F-4D97-AF65-F5344CB8AC3E}">
-        <p14:creationId xmlns:p14="http://schemas.microsoft.com/office/powerpoint/2010/main" val="730016127"/>
       </p:ext>
     </p:extLst>
   </p:cSld>
@@ -6880,45 +7424,10 @@
       </p:grpSpPr>
       <p:sp>
         <p:nvSpPr>
-          <p:cNvPr id="2" name="Title 1">
+          <p:cNvPr id="12" name="Rectangle 11">
             <a:extLst>
               <a:ext uri="{FF2B5EF4-FFF2-40B4-BE49-F238E27FC236}">
-                <a16:creationId xmlns:a16="http://schemas.microsoft.com/office/drawing/2014/main" id="{2761CEF5-35A5-6C43-9B99-05359C9C984B}"/>
-              </a:ext>
-            </a:extLst>
-          </p:cNvPr>
-          <p:cNvSpPr>
-            <a:spLocks noGrp="1"/>
-          </p:cNvSpPr>
-          <p:nvPr>
-            <p:ph type="title"/>
-          </p:nvPr>
-        </p:nvSpPr>
-        <p:spPr>
-          <a:xfrm>
-            <a:off x="3837658" y="629266"/>
-            <a:ext cx="4817137" cy="1676603"/>
-          </a:xfrm>
-        </p:spPr>
-        <p:txBody>
-          <a:bodyPr>
-            <a:normAutofit/>
-          </a:bodyPr>
-          <a:lstStyle/>
-          <a:p>
-            <a:r>
-              <a:rPr lang="en-US" dirty="0"/>
-              <a:t>Application Integration</a:t>
-            </a:r>
-          </a:p>
-        </p:txBody>
-      </p:sp>
-      <p:sp>
-        <p:nvSpPr>
-          <p:cNvPr id="33" name="Rectangle 32">
-            <a:extLst>
-              <a:ext uri="{FF2B5EF4-FFF2-40B4-BE49-F238E27FC236}">
-                <a16:creationId xmlns:a16="http://schemas.microsoft.com/office/drawing/2014/main" id="{BBDB9CBB-F581-4208-9C34-D4E8577A9C01}"/>
+                <a16:creationId xmlns:a16="http://schemas.microsoft.com/office/drawing/2014/main" id="{AB45A142-4255-493C-8284-5D566C121B10}"/>
               </a:ext>
               <a:ext uri="{C183D7F6-B498-43B3-948B-1728B52AA6E4}">
                 <adec:decorative xmlns:adec="http://schemas.microsoft.com/office/drawing/2017/decorative" val="1"/>
@@ -6936,19 +7445,25 @@
             </p:extLst>
           </p:nvPr>
         </p:nvSpPr>
-        <p:spPr>
-          <a:xfrm>
-            <a:off x="0" y="0"/>
-            <a:ext cx="3477006" cy="6858000"/>
+        <p:spPr bwMode="ltGray">
+          <a:xfrm>
+            <a:off x="252663" y="321177"/>
+            <a:ext cx="3249230" cy="6179552"/>
           </a:xfrm>
           <a:prstGeom prst="rect">
             <a:avLst/>
           </a:prstGeom>
           <a:solidFill>
-            <a:srgbClr val="4E7782"/>
+            <a:srgbClr val="404040">
+              <a:alpha val="89804"/>
+            </a:srgbClr>
           </a:solidFill>
-          <a:ln>
-            <a:noFill/>
+          <a:ln w="127000" cap="sq" cmpd="thinThick">
+            <a:solidFill>
+              <a:srgbClr val="595959">
+                <a:alpha val="80000"/>
+              </a:srgbClr>
+            </a:solidFill>
           </a:ln>
         </p:spPr>
         <p:style>
@@ -6978,19 +7493,66 @@
       </p:sp>
       <p:sp>
         <p:nvSpPr>
-          <p:cNvPr id="35" name="Rounded Rectangle 9">
+          <p:cNvPr id="2" name="Title 1">
             <a:extLst>
               <a:ext uri="{FF2B5EF4-FFF2-40B4-BE49-F238E27FC236}">
-                <a16:creationId xmlns:a16="http://schemas.microsoft.com/office/drawing/2014/main" id="{F8F2DBF4-5F7B-457C-98A0-0337482F2113}"/>
+                <a16:creationId xmlns:a16="http://schemas.microsoft.com/office/drawing/2014/main" id="{74B515FF-74B8-AA40-8C59-E1409D2FD7D7}"/>
+              </a:ext>
+            </a:extLst>
+          </p:cNvPr>
+          <p:cNvSpPr>
+            <a:spLocks noGrp="1"/>
+          </p:cNvSpPr>
+          <p:nvPr>
+            <p:ph type="title"/>
+          </p:nvPr>
+        </p:nvSpPr>
+        <p:spPr>
+          <a:xfrm>
+            <a:off x="505677" y="914400"/>
+            <a:ext cx="2743200" cy="2887579"/>
+          </a:xfrm>
+        </p:spPr>
+        <p:txBody>
+          <a:bodyPr vert="horz" lIns="91440" tIns="45720" rIns="91440" bIns="45720" rtlCol="0" anchor="b">
+            <a:normAutofit/>
+          </a:bodyPr>
+          <a:lstStyle/>
+          <a:p>
+            <a:pPr defTabSz="914400">
+              <a:lnSpc>
+                <a:spcPct val="90000"/>
+              </a:lnSpc>
+            </a:pPr>
+            <a:r>
+              <a:rPr lang="en-US" sz="4200" kern="1200" dirty="0">
+                <a:solidFill>
+                  <a:srgbClr val="FFFFFF"/>
+                </a:solidFill>
+                <a:latin typeface="+mj-lt"/>
+                <a:ea typeface="+mj-ea"/>
+                <a:cs typeface="+mj-cs"/>
+              </a:rPr>
+              <a:t>Sequence Diagram</a:t>
+            </a:r>
+          </a:p>
+        </p:txBody>
+      </p:sp>
+      <p:cxnSp>
+        <p:nvCxnSpPr>
+          <p:cNvPr id="14" name="Straight Connector 13">
+            <a:extLst>
+              <a:ext uri="{FF2B5EF4-FFF2-40B4-BE49-F238E27FC236}">
+                <a16:creationId xmlns:a16="http://schemas.microsoft.com/office/drawing/2014/main" id="{38FB9660-F42F-4313-BBC4-47C007FE484C}"/>
               </a:ext>
               <a:ext uri="{C183D7F6-B498-43B3-948B-1728B52AA6E4}">
                 <adec:decorative xmlns:adec="http://schemas.microsoft.com/office/drawing/2017/decorative" val="1"/>
               </a:ext>
             </a:extLst>
           </p:cNvPr>
-          <p:cNvSpPr>
-            <a:spLocks noGrp="1" noRot="1" noChangeAspect="1" noMove="1" noResize="1" noEditPoints="1" noAdjustHandles="1" noChangeArrowheads="1" noChangeShapeType="1" noTextEdit="1"/>
-          </p:cNvSpPr>
+          <p:cNvCxnSpPr>
+            <a:cxnSpLocks noGrp="1" noRot="1" noChangeAspect="1" noMove="1" noResize="1" noEditPoints="1" noAdjustHandles="1" noChangeArrowheads="1" noChangeShapeType="1"/>
+          </p:cNvCxnSpPr>
           <p:nvPr>
             <p:extLst>
               <p:ext uri="{386F3935-93C4-4BCD-93E2-E3B085C9AB24}">
@@ -6998,71 +7560,51 @@
               </p:ext>
             </p:extLst>
           </p:nvPr>
-        </p:nvSpPr>
+        </p:nvCxnSpPr>
         <p:spPr>
           <a:xfrm>
-            <a:off x="363474" y="484632"/>
-            <a:ext cx="2750058" cy="5739187"/>
-          </a:xfrm>
-          <a:prstGeom prst="roundRect">
-            <a:avLst>
-              <a:gd name="adj" fmla="val 0"/>
-            </a:avLst>
+            <a:off x="893344" y="3910267"/>
+            <a:ext cx="1940093" cy="0"/>
+          </a:xfrm>
+          <a:prstGeom prst="line">
+            <a:avLst/>
           </a:prstGeom>
-          <a:solidFill>
-            <a:srgbClr val="FFFFFF"/>
-          </a:solidFill>
-          <a:ln w="9525">
+          <a:ln w="22225">
             <a:solidFill>
-              <a:srgbClr val="C8CACA"/>
+              <a:srgbClr val="D9D9D9"/>
             </a:solidFill>
           </a:ln>
-          <a:effectLst>
-            <a:outerShdw blurRad="57150" dist="19050" dir="5400000" algn="t" rotWithShape="0">
-              <a:prstClr val="black">
-                <a:alpha val="63000"/>
-              </a:prstClr>
-            </a:outerShdw>
-          </a:effectLst>
         </p:spPr>
         <p:style>
-          <a:lnRef idx="2">
-            <a:schemeClr val="accent1">
-              <a:shade val="50000"/>
-            </a:schemeClr>
+          <a:lnRef idx="1">
+            <a:schemeClr val="accent1"/>
           </a:lnRef>
-          <a:fillRef idx="1">
+          <a:fillRef idx="0">
             <a:schemeClr val="accent1"/>
           </a:fillRef>
           <a:effectRef idx="0">
             <a:schemeClr val="accent1"/>
           </a:effectRef>
           <a:fontRef idx="minor">
-            <a:schemeClr val="lt1"/>
+            <a:schemeClr val="tx1"/>
           </a:fontRef>
         </p:style>
-        <p:txBody>
-          <a:bodyPr rtlCol="0" anchor="ctr"/>
-          <a:lstStyle/>
-          <a:p>
-            <a:pPr algn="ctr"/>
-            <a:endParaRPr lang="en-US"/>
-          </a:p>
-        </p:txBody>
-      </p:sp>
+      </p:cxnSp>
       <p:pic>
         <p:nvPicPr>
-          <p:cNvPr id="7" name="Picture 6">
+          <p:cNvPr id="7" name="Content Placeholder 6" descr="A screenshot of a social media post&#10;&#10;Description automatically generated">
             <a:extLst>
               <a:ext uri="{FF2B5EF4-FFF2-40B4-BE49-F238E27FC236}">
-                <a16:creationId xmlns:a16="http://schemas.microsoft.com/office/drawing/2014/main" id="{F3CD73A3-B6A7-AE4B-8129-31BFB32E0EF3}"/>
+                <a16:creationId xmlns:a16="http://schemas.microsoft.com/office/drawing/2014/main" id="{9C065210-E953-094B-A55E-029C4C1C4746}"/>
               </a:ext>
             </a:extLst>
           </p:cNvPr>
           <p:cNvPicPr>
-            <a:picLocks noChangeAspect="1"/>
+            <a:picLocks noGrp="1" noChangeAspect="1"/>
           </p:cNvPicPr>
-          <p:nvPr/>
+          <p:nvPr>
+            <p:ph idx="1"/>
+          </p:nvPr>
         </p:nvPicPr>
         <p:blipFill>
           <a:blip r:embed="rId2"/>
@@ -7072,135 +7614,18 @@
         </p:blipFill>
         <p:spPr>
           <a:xfrm>
-            <a:off x="920827" y="803049"/>
-            <a:ext cx="1635351" cy="1635351"/>
+            <a:off x="3597965" y="492573"/>
+            <a:ext cx="5293372" cy="5880796"/>
           </a:xfrm>
           <a:prstGeom prst="rect">
             <a:avLst/>
           </a:prstGeom>
-          <a:effectLst/>
         </p:spPr>
       </p:pic>
-      <p:pic>
-        <p:nvPicPr>
-          <p:cNvPr id="9" name="Picture 8">
-            <a:extLst>
-              <a:ext uri="{FF2B5EF4-FFF2-40B4-BE49-F238E27FC236}">
-                <a16:creationId xmlns:a16="http://schemas.microsoft.com/office/drawing/2014/main" id="{46E3641C-4945-BD47-9283-97F95F8EDF9F}"/>
-              </a:ext>
-            </a:extLst>
-          </p:cNvPr>
-          <p:cNvPicPr>
-            <a:picLocks noChangeAspect="1"/>
-          </p:cNvPicPr>
-          <p:nvPr/>
-        </p:nvPicPr>
-        <p:blipFill>
-          <a:blip r:embed="rId3"/>
-          <a:stretch>
-            <a:fillRect/>
-          </a:stretch>
-        </p:blipFill>
-        <p:spPr>
-          <a:xfrm>
-            <a:off x="603504" y="2659208"/>
-            <a:ext cx="2269998" cy="1392054"/>
-          </a:xfrm>
-          <a:prstGeom prst="rect">
-            <a:avLst/>
-          </a:prstGeom>
-        </p:spPr>
-      </p:pic>
-      <p:pic>
-        <p:nvPicPr>
-          <p:cNvPr id="4" name="Picture 3">
-            <a:extLst>
-              <a:ext uri="{FF2B5EF4-FFF2-40B4-BE49-F238E27FC236}">
-                <a16:creationId xmlns:a16="http://schemas.microsoft.com/office/drawing/2014/main" id="{63857827-5C31-5C45-841E-1714699DC22D}"/>
-              </a:ext>
-            </a:extLst>
-          </p:cNvPr>
-          <p:cNvPicPr>
-            <a:picLocks noChangeAspect="1"/>
-          </p:cNvPicPr>
-          <p:nvPr/>
-        </p:nvPicPr>
-        <p:blipFill>
-          <a:blip r:embed="rId4"/>
-          <a:stretch>
-            <a:fillRect/>
-          </a:stretch>
-        </p:blipFill>
-        <p:spPr>
-          <a:xfrm>
-            <a:off x="603504" y="4468039"/>
-            <a:ext cx="2269997" cy="1276873"/>
-          </a:xfrm>
-          <a:prstGeom prst="rect">
-            <a:avLst/>
-          </a:prstGeom>
-        </p:spPr>
-      </p:pic>
-      <p:sp>
-        <p:nvSpPr>
-          <p:cNvPr id="3" name="Content Placeholder 2">
-            <a:extLst>
-              <a:ext uri="{FF2B5EF4-FFF2-40B4-BE49-F238E27FC236}">
-                <a16:creationId xmlns:a16="http://schemas.microsoft.com/office/drawing/2014/main" id="{2AD65A76-A1BB-C543-BF3A-9A62DC9698C0}"/>
-              </a:ext>
-            </a:extLst>
-          </p:cNvPr>
-          <p:cNvSpPr>
-            <a:spLocks noGrp="1"/>
-          </p:cNvSpPr>
-          <p:nvPr>
-            <p:ph idx="1"/>
-          </p:nvPr>
-        </p:nvSpPr>
-        <p:spPr>
-          <a:xfrm>
-            <a:off x="3837660" y="2438400"/>
-            <a:ext cx="4817136" cy="3785419"/>
-          </a:xfrm>
-        </p:spPr>
-        <p:txBody>
-          <a:bodyPr>
-            <a:normAutofit/>
-          </a:bodyPr>
-          <a:lstStyle/>
-          <a:p>
-            <a:r>
-              <a:rPr lang="en-US" sz="1700" dirty="0"/>
-              <a:t>The bot will be available in three channels</a:t>
-            </a:r>
-          </a:p>
-          <a:p>
-            <a:pPr lvl="1"/>
-            <a:r>
-              <a:rPr lang="en-US" sz="1700" dirty="0"/>
-              <a:t>Web based</a:t>
-            </a:r>
-          </a:p>
-          <a:p>
-            <a:pPr lvl="1"/>
-            <a:r>
-              <a:rPr lang="en-US" sz="1700" dirty="0"/>
-              <a:t>Slack Channels</a:t>
-            </a:r>
-          </a:p>
-          <a:p>
-            <a:pPr lvl="1"/>
-            <a:r>
-              <a:rPr lang="en-US" sz="1700" dirty="0"/>
-              <a:t>Facebook Messenger</a:t>
-            </a:r>
-          </a:p>
-        </p:txBody>
-      </p:sp>
     </p:spTree>
     <p:extLst>
       <p:ext uri="{BB962C8B-B14F-4D97-AF65-F5344CB8AC3E}">
-        <p14:creationId xmlns:p14="http://schemas.microsoft.com/office/powerpoint/2010/main" val="4110508238"/>
+        <p14:creationId xmlns:p14="http://schemas.microsoft.com/office/powerpoint/2010/main" val="730016127"/>
       </p:ext>
     </p:extLst>
   </p:cSld>
@@ -7237,10 +7662,45 @@
       </p:grpSpPr>
       <p:sp>
         <p:nvSpPr>
-          <p:cNvPr id="9" name="Rectangle 8">
+          <p:cNvPr id="2" name="Title 1">
             <a:extLst>
               <a:ext uri="{FF2B5EF4-FFF2-40B4-BE49-F238E27FC236}">
-                <a16:creationId xmlns:a16="http://schemas.microsoft.com/office/drawing/2014/main" id="{823AC064-BC96-4F32-8AE1-B2FD38754823}"/>
+                <a16:creationId xmlns:a16="http://schemas.microsoft.com/office/drawing/2014/main" id="{2761CEF5-35A5-6C43-9B99-05359C9C984B}"/>
+              </a:ext>
+            </a:extLst>
+          </p:cNvPr>
+          <p:cNvSpPr>
+            <a:spLocks noGrp="1"/>
+          </p:cNvSpPr>
+          <p:nvPr>
+            <p:ph type="title"/>
+          </p:nvPr>
+        </p:nvSpPr>
+        <p:spPr>
+          <a:xfrm>
+            <a:off x="3837658" y="629266"/>
+            <a:ext cx="4817137" cy="1676603"/>
+          </a:xfrm>
+        </p:spPr>
+        <p:txBody>
+          <a:bodyPr>
+            <a:normAutofit/>
+          </a:bodyPr>
+          <a:lstStyle/>
+          <a:p>
+            <a:r>
+              <a:rPr lang="en-US" dirty="0"/>
+              <a:t>Application Integration</a:t>
+            </a:r>
+          </a:p>
+        </p:txBody>
+      </p:sp>
+      <p:sp>
+        <p:nvSpPr>
+          <p:cNvPr id="33" name="Rectangle 32">
+            <a:extLst>
+              <a:ext uri="{FF2B5EF4-FFF2-40B4-BE49-F238E27FC236}">
+                <a16:creationId xmlns:a16="http://schemas.microsoft.com/office/drawing/2014/main" id="{BBDB9CBB-F581-4208-9C34-D4E8577A9C01}"/>
               </a:ext>
               <a:ext uri="{C183D7F6-B498-43B3-948B-1728B52AA6E4}">
                 <adec:decorative xmlns:adec="http://schemas.microsoft.com/office/drawing/2017/decorative" val="1"/>
@@ -7258,21 +7718,19 @@
             </p:extLst>
           </p:nvPr>
         </p:nvSpPr>
-        <p:spPr bwMode="ltGray">
-          <a:xfrm>
-            <a:off x="283551" y="343486"/>
-            <a:ext cx="8579094" cy="1844256"/>
+        <p:spPr>
+          <a:xfrm>
+            <a:off x="0" y="0"/>
+            <a:ext cx="3477006" cy="6858000"/>
           </a:xfrm>
           <a:prstGeom prst="rect">
             <a:avLst/>
           </a:prstGeom>
           <a:solidFill>
-            <a:srgbClr val="404040"/>
+            <a:srgbClr val="4E7782"/>
           </a:solidFill>
-          <a:ln w="127000" cap="sq" cmpd="thinThick">
-            <a:solidFill>
-              <a:srgbClr val="404040"/>
-            </a:solidFill>
+          <a:ln>
+            <a:noFill/>
           </a:ln>
         </p:spPr>
         <p:style>
@@ -7295,102 +7753,26 @@
           <a:bodyPr rtlCol="0" anchor="ctr"/>
           <a:lstStyle/>
           <a:p>
-            <a:pPr marL="0" marR="0" lvl="0" indent="0" algn="ctr" defTabSz="914400" rtl="0" eaLnBrk="1" fontAlgn="auto" latinLnBrk="0" hangingPunct="1">
-              <a:lnSpc>
-                <a:spcPct val="100000"/>
-              </a:lnSpc>
-              <a:spcBef>
-                <a:spcPts val="0"/>
-              </a:spcBef>
-              <a:spcAft>
-                <a:spcPts val="0"/>
-              </a:spcAft>
-              <a:buClrTx/>
-              <a:buSzTx/>
-              <a:buFontTx/>
-              <a:buNone/>
-              <a:tabLst/>
-              <a:defRPr/>
-            </a:pPr>
-            <a:endParaRPr kumimoji="0" lang="en-US" sz="1800" b="0" i="0" u="none" strike="noStrike" kern="1200" cap="none" spc="0" normalizeH="0" baseline="0" noProof="0">
-              <a:ln>
-                <a:noFill/>
-              </a:ln>
-              <a:solidFill>
-                <a:prstClr val="white"/>
-              </a:solidFill>
-              <a:effectLst/>
-              <a:uLnTx/>
-              <a:uFillTx/>
-              <a:latin typeface="Calibri" panose="020F0502020204030204"/>
-              <a:ea typeface="+mn-ea"/>
-              <a:cs typeface="+mn-cs"/>
-            </a:endParaRPr>
-          </a:p>
-        </p:txBody>
-      </p:sp>
-      <p:sp>
-        <p:nvSpPr>
-          <p:cNvPr id="2" name="Title 1">
+            <a:pPr algn="ctr"/>
+            <a:endParaRPr lang="en-US"/>
+          </a:p>
+        </p:txBody>
+      </p:sp>
+      <p:sp>
+        <p:nvSpPr>
+          <p:cNvPr id="35" name="Rounded Rectangle 9">
             <a:extLst>
               <a:ext uri="{FF2B5EF4-FFF2-40B4-BE49-F238E27FC236}">
-                <a16:creationId xmlns:a16="http://schemas.microsoft.com/office/drawing/2014/main" id="{AC9929C1-E2DD-6F49-B2C6-A7ED59824E47}"/>
-              </a:ext>
-            </a:extLst>
-          </p:cNvPr>
-          <p:cNvSpPr>
-            <a:spLocks noGrp="1"/>
-          </p:cNvSpPr>
-          <p:nvPr>
-            <p:ph type="title"/>
-          </p:nvPr>
-        </p:nvSpPr>
-        <p:spPr>
-          <a:xfrm>
-            <a:off x="394554" y="466578"/>
-            <a:ext cx="8354891" cy="930447"/>
-          </a:xfrm>
-        </p:spPr>
-        <p:txBody>
-          <a:bodyPr vert="horz" lIns="91440" tIns="45720" rIns="91440" bIns="45720" rtlCol="0" anchor="b">
-            <a:normAutofit/>
-          </a:bodyPr>
-          <a:lstStyle/>
-          <a:p>
-            <a:pPr defTabSz="914400">
-              <a:lnSpc>
-                <a:spcPct val="90000"/>
-              </a:lnSpc>
-            </a:pPr>
-            <a:r>
-              <a:rPr lang="en-US" sz="4700" kern="1200">
-                <a:solidFill>
-                  <a:srgbClr val="FFFFFF"/>
-                </a:solidFill>
-                <a:latin typeface="+mj-lt"/>
-                <a:ea typeface="+mj-ea"/>
-                <a:cs typeface="+mj-cs"/>
-              </a:rPr>
-              <a:t>Prototype</a:t>
-            </a:r>
-          </a:p>
-        </p:txBody>
-      </p:sp>
-      <p:cxnSp>
-        <p:nvCxnSpPr>
-          <p:cNvPr id="11" name="Straight Connector 10">
-            <a:extLst>
-              <a:ext uri="{FF2B5EF4-FFF2-40B4-BE49-F238E27FC236}">
-                <a16:creationId xmlns:a16="http://schemas.microsoft.com/office/drawing/2014/main" id="{7E7C77BC-7138-40B1-A15B-20F57A494629}"/>
+                <a16:creationId xmlns:a16="http://schemas.microsoft.com/office/drawing/2014/main" id="{F8F2DBF4-5F7B-457C-98A0-0337482F2113}"/>
               </a:ext>
               <a:ext uri="{C183D7F6-B498-43B3-948B-1728B52AA6E4}">
                 <adec:decorative xmlns:adec="http://schemas.microsoft.com/office/drawing/2017/decorative" val="1"/>
               </a:ext>
             </a:extLst>
           </p:cNvPr>
-          <p:cNvCxnSpPr>
-            <a:cxnSpLocks noGrp="1" noRot="1" noChangeAspect="1" noMove="1" noResize="1" noEditPoints="1" noAdjustHandles="1" noChangeArrowheads="1" noChangeShapeType="1"/>
-          </p:cNvCxnSpPr>
+          <p:cNvSpPr>
+            <a:spLocks noGrp="1" noRot="1" noChangeAspect="1" noMove="1" noResize="1" noEditPoints="1" noAdjustHandles="1" noChangeArrowheads="1" noChangeShapeType="1" noTextEdit="1"/>
+          </p:cNvSpPr>
           <p:nvPr>
             <p:extLst>
               <p:ext uri="{386F3935-93C4-4BCD-93E2-E3B085C9AB24}">
@@ -7398,51 +7780,71 @@
               </p:ext>
             </p:extLst>
           </p:nvPr>
-        </p:nvCxnSpPr>
+        </p:nvSpPr>
         <p:spPr>
           <a:xfrm>
-            <a:off x="1657350" y="1448631"/>
-            <a:ext cx="5829300" cy="0"/>
-          </a:xfrm>
-          <a:prstGeom prst="line">
-            <a:avLst/>
+            <a:off x="363474" y="484632"/>
+            <a:ext cx="2750058" cy="5739187"/>
+          </a:xfrm>
+          <a:prstGeom prst="roundRect">
+            <a:avLst>
+              <a:gd name="adj" fmla="val 0"/>
+            </a:avLst>
           </a:prstGeom>
-          <a:ln w="22225">
+          <a:solidFill>
+            <a:srgbClr val="FFFFFF"/>
+          </a:solidFill>
+          <a:ln w="9525">
             <a:solidFill>
-              <a:srgbClr val="D9D9D9"/>
+              <a:srgbClr val="C8CACA"/>
             </a:solidFill>
           </a:ln>
+          <a:effectLst>
+            <a:outerShdw blurRad="57150" dist="19050" dir="5400000" algn="t" rotWithShape="0">
+              <a:prstClr val="black">
+                <a:alpha val="63000"/>
+              </a:prstClr>
+            </a:outerShdw>
+          </a:effectLst>
         </p:spPr>
         <p:style>
-          <a:lnRef idx="1">
-            <a:schemeClr val="accent1"/>
+          <a:lnRef idx="2">
+            <a:schemeClr val="accent1">
+              <a:shade val="50000"/>
+            </a:schemeClr>
           </a:lnRef>
-          <a:fillRef idx="0">
+          <a:fillRef idx="1">
             <a:schemeClr val="accent1"/>
           </a:fillRef>
           <a:effectRef idx="0">
             <a:schemeClr val="accent1"/>
           </a:effectRef>
           <a:fontRef idx="minor">
-            <a:schemeClr val="tx1"/>
+            <a:schemeClr val="lt1"/>
           </a:fontRef>
         </p:style>
-      </p:cxnSp>
+        <p:txBody>
+          <a:bodyPr rtlCol="0" anchor="ctr"/>
+          <a:lstStyle/>
+          <a:p>
+            <a:pPr algn="ctr"/>
+            <a:endParaRPr lang="en-US"/>
+          </a:p>
+        </p:txBody>
+      </p:sp>
       <p:pic>
         <p:nvPicPr>
-          <p:cNvPr id="4" name="Content Placeholder 3">
+          <p:cNvPr id="7" name="Picture 6">
             <a:extLst>
               <a:ext uri="{FF2B5EF4-FFF2-40B4-BE49-F238E27FC236}">
-                <a16:creationId xmlns:a16="http://schemas.microsoft.com/office/drawing/2014/main" id="{6F128E94-5489-5042-A020-DFC20318BD18}"/>
+                <a16:creationId xmlns:a16="http://schemas.microsoft.com/office/drawing/2014/main" id="{F3CD73A3-B6A7-AE4B-8129-31BFB32E0EF3}"/>
               </a:ext>
             </a:extLst>
           </p:cNvPr>
           <p:cNvPicPr>
-            <a:picLocks noGrp="1" noChangeAspect="1"/>
+            <a:picLocks noChangeAspect="1"/>
           </p:cNvPicPr>
-          <p:nvPr>
-            <p:ph idx="1"/>
-          </p:nvPr>
+          <p:nvPr/>
         </p:nvPicPr>
         <p:blipFill>
           <a:blip r:embed="rId2"/>
@@ -7452,18 +7854,135 @@
         </p:blipFill>
         <p:spPr>
           <a:xfrm>
-            <a:off x="553700" y="2509911"/>
-            <a:ext cx="7995275" cy="3997637"/>
+            <a:off x="920827" y="803049"/>
+            <a:ext cx="1635351" cy="1635351"/>
           </a:xfrm>
           <a:prstGeom prst="rect">
             <a:avLst/>
           </a:prstGeom>
+          <a:effectLst/>
         </p:spPr>
       </p:pic>
+      <p:pic>
+        <p:nvPicPr>
+          <p:cNvPr id="9" name="Picture 8">
+            <a:extLst>
+              <a:ext uri="{FF2B5EF4-FFF2-40B4-BE49-F238E27FC236}">
+                <a16:creationId xmlns:a16="http://schemas.microsoft.com/office/drawing/2014/main" id="{46E3641C-4945-BD47-9283-97F95F8EDF9F}"/>
+              </a:ext>
+            </a:extLst>
+          </p:cNvPr>
+          <p:cNvPicPr>
+            <a:picLocks noChangeAspect="1"/>
+          </p:cNvPicPr>
+          <p:nvPr/>
+        </p:nvPicPr>
+        <p:blipFill>
+          <a:blip r:embed="rId3"/>
+          <a:stretch>
+            <a:fillRect/>
+          </a:stretch>
+        </p:blipFill>
+        <p:spPr>
+          <a:xfrm>
+            <a:off x="603504" y="2659208"/>
+            <a:ext cx="2269998" cy="1392054"/>
+          </a:xfrm>
+          <a:prstGeom prst="rect">
+            <a:avLst/>
+          </a:prstGeom>
+        </p:spPr>
+      </p:pic>
+      <p:pic>
+        <p:nvPicPr>
+          <p:cNvPr id="4" name="Picture 3">
+            <a:extLst>
+              <a:ext uri="{FF2B5EF4-FFF2-40B4-BE49-F238E27FC236}">
+                <a16:creationId xmlns:a16="http://schemas.microsoft.com/office/drawing/2014/main" id="{63857827-5C31-5C45-841E-1714699DC22D}"/>
+              </a:ext>
+            </a:extLst>
+          </p:cNvPr>
+          <p:cNvPicPr>
+            <a:picLocks noChangeAspect="1"/>
+          </p:cNvPicPr>
+          <p:nvPr/>
+        </p:nvPicPr>
+        <p:blipFill>
+          <a:blip r:embed="rId4"/>
+          <a:stretch>
+            <a:fillRect/>
+          </a:stretch>
+        </p:blipFill>
+        <p:spPr>
+          <a:xfrm>
+            <a:off x="603504" y="4468039"/>
+            <a:ext cx="2269997" cy="1276873"/>
+          </a:xfrm>
+          <a:prstGeom prst="rect">
+            <a:avLst/>
+          </a:prstGeom>
+        </p:spPr>
+      </p:pic>
+      <p:sp>
+        <p:nvSpPr>
+          <p:cNvPr id="3" name="Content Placeholder 2">
+            <a:extLst>
+              <a:ext uri="{FF2B5EF4-FFF2-40B4-BE49-F238E27FC236}">
+                <a16:creationId xmlns:a16="http://schemas.microsoft.com/office/drawing/2014/main" id="{2AD65A76-A1BB-C543-BF3A-9A62DC9698C0}"/>
+              </a:ext>
+            </a:extLst>
+          </p:cNvPr>
+          <p:cNvSpPr>
+            <a:spLocks noGrp="1"/>
+          </p:cNvSpPr>
+          <p:nvPr>
+            <p:ph idx="1"/>
+          </p:nvPr>
+        </p:nvSpPr>
+        <p:spPr>
+          <a:xfrm>
+            <a:off x="3837660" y="2438400"/>
+            <a:ext cx="4817136" cy="3785419"/>
+          </a:xfrm>
+        </p:spPr>
+        <p:txBody>
+          <a:bodyPr>
+            <a:normAutofit/>
+          </a:bodyPr>
+          <a:lstStyle/>
+          <a:p>
+            <a:r>
+              <a:rPr lang="en-US" sz="1700" dirty="0"/>
+              <a:t>The bot will be available in three channels</a:t>
+            </a:r>
+          </a:p>
+          <a:p>
+            <a:pPr lvl="1"/>
+            <a:r>
+              <a:rPr lang="en-US" sz="1700" dirty="0"/>
+              <a:t>Web based</a:t>
+            </a:r>
+          </a:p>
+          <a:p>
+            <a:pPr lvl="1"/>
+            <a:r>
+              <a:rPr lang="en-US" sz="1700" dirty="0"/>
+              <a:t>Slack Channels</a:t>
+            </a:r>
+          </a:p>
+          <a:p>
+            <a:pPr lvl="1"/>
+            <a:r>
+              <a:rPr lang="en-US" sz="1700" dirty="0"/>
+              <a:t>Facebook Messenger</a:t>
+            </a:r>
+          </a:p>
+        </p:txBody>
+      </p:sp>
     </p:spTree>
     <p:extLst>
       <p:ext uri="{BB962C8B-B14F-4D97-AF65-F5344CB8AC3E}">
-        <p14:creationId xmlns:p14="http://schemas.microsoft.com/office/powerpoint/2010/main" val="4026063790"/>
+        <p14:creationId xmlns:p14="http://schemas.microsoft.com/office/powerpoint/2010/main" val="4110508238"/>
       </p:ext>
     </p:extLst>
   </p:cSld>
